--- a/Unit 4/Cursor_Lecture_Slides.pptx
+++ b/Unit 4/Cursor_Lecture_Slides.pptx
@@ -249,7 +249,7 @@
           <a:p>
             <a:fld id="{828A52BA-EE88-42EE-9D24-82249EAB6ED1}" type="datetimeFigureOut">
               <a:rPr lang="en-US" smtClean="0"/>
-              <a:t>9/9/2020</a:t>
+              <a:t>9/4/2020</a:t>
             </a:fld>
             <a:endParaRPr lang="en-US"/>
           </a:p>
@@ -417,7 +417,7 @@
           <a:p>
             <a:fld id="{828A52BA-EE88-42EE-9D24-82249EAB6ED1}" type="datetimeFigureOut">
               <a:rPr lang="en-US" smtClean="0"/>
-              <a:t>9/9/2020</a:t>
+              <a:t>9/4/2020</a:t>
             </a:fld>
             <a:endParaRPr lang="en-US"/>
           </a:p>
@@ -595,7 +595,7 @@
           <a:p>
             <a:fld id="{828A52BA-EE88-42EE-9D24-82249EAB6ED1}" type="datetimeFigureOut">
               <a:rPr lang="en-US" smtClean="0"/>
-              <a:t>9/9/2020</a:t>
+              <a:t>9/4/2020</a:t>
             </a:fld>
             <a:endParaRPr lang="en-US"/>
           </a:p>
@@ -763,7 +763,7 @@
           <a:p>
             <a:fld id="{828A52BA-EE88-42EE-9D24-82249EAB6ED1}" type="datetimeFigureOut">
               <a:rPr lang="en-US" smtClean="0"/>
-              <a:t>9/9/2020</a:t>
+              <a:t>9/4/2020</a:t>
             </a:fld>
             <a:endParaRPr lang="en-US"/>
           </a:p>
@@ -1008,7 +1008,7 @@
           <a:p>
             <a:fld id="{828A52BA-EE88-42EE-9D24-82249EAB6ED1}" type="datetimeFigureOut">
               <a:rPr lang="en-US" smtClean="0"/>
-              <a:t>9/9/2020</a:t>
+              <a:t>9/4/2020</a:t>
             </a:fld>
             <a:endParaRPr lang="en-US"/>
           </a:p>
@@ -1237,7 +1237,7 @@
           <a:p>
             <a:fld id="{828A52BA-EE88-42EE-9D24-82249EAB6ED1}" type="datetimeFigureOut">
               <a:rPr lang="en-US" smtClean="0"/>
-              <a:t>9/9/2020</a:t>
+              <a:t>9/4/2020</a:t>
             </a:fld>
             <a:endParaRPr lang="en-US"/>
           </a:p>
@@ -1601,7 +1601,7 @@
           <a:p>
             <a:fld id="{828A52BA-EE88-42EE-9D24-82249EAB6ED1}" type="datetimeFigureOut">
               <a:rPr lang="en-US" smtClean="0"/>
-              <a:t>9/9/2020</a:t>
+              <a:t>9/4/2020</a:t>
             </a:fld>
             <a:endParaRPr lang="en-US"/>
           </a:p>
@@ -1718,7 +1718,7 @@
           <a:p>
             <a:fld id="{828A52BA-EE88-42EE-9D24-82249EAB6ED1}" type="datetimeFigureOut">
               <a:rPr lang="en-US" smtClean="0"/>
-              <a:t>9/9/2020</a:t>
+              <a:t>9/4/2020</a:t>
             </a:fld>
             <a:endParaRPr lang="en-US"/>
           </a:p>
@@ -1813,7 +1813,7 @@
           <a:p>
             <a:fld id="{828A52BA-EE88-42EE-9D24-82249EAB6ED1}" type="datetimeFigureOut">
               <a:rPr lang="en-US" smtClean="0"/>
-              <a:t>9/9/2020</a:t>
+              <a:t>9/4/2020</a:t>
             </a:fld>
             <a:endParaRPr lang="en-US"/>
           </a:p>
@@ -2088,7 +2088,7 @@
           <a:p>
             <a:fld id="{828A52BA-EE88-42EE-9D24-82249EAB6ED1}" type="datetimeFigureOut">
               <a:rPr lang="en-US" smtClean="0"/>
-              <a:t>9/9/2020</a:t>
+              <a:t>9/4/2020</a:t>
             </a:fld>
             <a:endParaRPr lang="en-US"/>
           </a:p>
@@ -2340,7 +2340,7 @@
           <a:p>
             <a:fld id="{828A52BA-EE88-42EE-9D24-82249EAB6ED1}" type="datetimeFigureOut">
               <a:rPr lang="en-US" smtClean="0"/>
-              <a:t>9/9/2020</a:t>
+              <a:t>9/4/2020</a:t>
             </a:fld>
             <a:endParaRPr lang="en-US"/>
           </a:p>
@@ -2551,7 +2551,7 @@
           <a:p>
             <a:fld id="{828A52BA-EE88-42EE-9D24-82249EAB6ED1}" type="datetimeFigureOut">
               <a:rPr lang="en-US" smtClean="0"/>
-              <a:t>9/9/2020</a:t>
+              <a:t>9/4/2020</a:t>
             </a:fld>
             <a:endParaRPr lang="en-US"/>
           </a:p>
@@ -3007,7 +3007,7 @@
           <a:p>
             <a:r>
               <a:rPr lang="en-US" dirty="0"/>
-              <a:t>Homework Solutions</a:t>
+              <a:t>Project 1</a:t>
             </a:r>
           </a:p>
           <a:p>
@@ -3016,7 +3016,7 @@
           <a:p>
             <a:r>
               <a:rPr lang="en-US" dirty="0"/>
-              <a:t>Project 1</a:t>
+              <a:t>Reading\Writing to files</a:t>
             </a:r>
           </a:p>
           <a:p>
@@ -3029,15 +3029,6 @@
             <a:r>
               <a:rPr lang="en-US" dirty="0"/>
               <a:t>Cursors!</a:t>
-            </a:r>
-          </a:p>
-          <a:p>
-            <a:endParaRPr lang="en-US" dirty="0"/>
-          </a:p>
-          <a:p>
-            <a:r>
-              <a:rPr lang="en-US" dirty="0"/>
-              <a:t>PyCharm</a:t>
             </a:r>
           </a:p>
           <a:p>
